--- a/Kubernetes.pptx
+++ b/Kubernetes.pptx
@@ -114,6 +114,11 @@
       </a:defRPr>
     </a:lvl9pPr>
   </p:defaultTextStyle>
+  <p:extLst>
+    <p:ext uri="{EFAFB233-063F-42B5-8137-9DF3F51BA10A}">
+      <p15:sldGuideLst xmlns:p15="http://schemas.microsoft.com/office/powerpoint/2012/main"/>
+    </p:ext>
+  </p:extLst>
 </p:presentation>
 </file>
 
@@ -266,7 +271,7 @@
           <a:p>
             <a:fld id="{63A43648-17AD-473B-8D42-F19A9DAB6671}" type="datetimeFigureOut">
               <a:rPr lang="en-IN" smtClean="0"/>
-              <a:t>29-04-2023</a:t>
+              <a:t>10-08-2023</a:t>
             </a:fld>
             <a:endParaRPr lang="en-IN"/>
           </a:p>
@@ -466,7 +471,7 @@
           <a:p>
             <a:fld id="{63A43648-17AD-473B-8D42-F19A9DAB6671}" type="datetimeFigureOut">
               <a:rPr lang="en-IN" smtClean="0"/>
-              <a:t>29-04-2023</a:t>
+              <a:t>10-08-2023</a:t>
             </a:fld>
             <a:endParaRPr lang="en-IN"/>
           </a:p>
@@ -676,7 +681,7 @@
           <a:p>
             <a:fld id="{63A43648-17AD-473B-8D42-F19A9DAB6671}" type="datetimeFigureOut">
               <a:rPr lang="en-IN" smtClean="0"/>
-              <a:t>29-04-2023</a:t>
+              <a:t>10-08-2023</a:t>
             </a:fld>
             <a:endParaRPr lang="en-IN"/>
           </a:p>
@@ -876,7 +881,7 @@
           <a:p>
             <a:fld id="{63A43648-17AD-473B-8D42-F19A9DAB6671}" type="datetimeFigureOut">
               <a:rPr lang="en-IN" smtClean="0"/>
-              <a:t>29-04-2023</a:t>
+              <a:t>10-08-2023</a:t>
             </a:fld>
             <a:endParaRPr lang="en-IN"/>
           </a:p>
@@ -1152,7 +1157,7 @@
           <a:p>
             <a:fld id="{63A43648-17AD-473B-8D42-F19A9DAB6671}" type="datetimeFigureOut">
               <a:rPr lang="en-IN" smtClean="0"/>
-              <a:t>29-04-2023</a:t>
+              <a:t>10-08-2023</a:t>
             </a:fld>
             <a:endParaRPr lang="en-IN"/>
           </a:p>
@@ -1420,7 +1425,7 @@
           <a:p>
             <a:fld id="{63A43648-17AD-473B-8D42-F19A9DAB6671}" type="datetimeFigureOut">
               <a:rPr lang="en-IN" smtClean="0"/>
-              <a:t>29-04-2023</a:t>
+              <a:t>10-08-2023</a:t>
             </a:fld>
             <a:endParaRPr lang="en-IN"/>
           </a:p>
@@ -1835,7 +1840,7 @@
           <a:p>
             <a:fld id="{63A43648-17AD-473B-8D42-F19A9DAB6671}" type="datetimeFigureOut">
               <a:rPr lang="en-IN" smtClean="0"/>
-              <a:t>29-04-2023</a:t>
+              <a:t>10-08-2023</a:t>
             </a:fld>
             <a:endParaRPr lang="en-IN"/>
           </a:p>
@@ -1977,7 +1982,7 @@
           <a:p>
             <a:fld id="{63A43648-17AD-473B-8D42-F19A9DAB6671}" type="datetimeFigureOut">
               <a:rPr lang="en-IN" smtClean="0"/>
-              <a:t>29-04-2023</a:t>
+              <a:t>10-08-2023</a:t>
             </a:fld>
             <a:endParaRPr lang="en-IN"/>
           </a:p>
@@ -2090,7 +2095,7 @@
           <a:p>
             <a:fld id="{63A43648-17AD-473B-8D42-F19A9DAB6671}" type="datetimeFigureOut">
               <a:rPr lang="en-IN" smtClean="0"/>
-              <a:t>29-04-2023</a:t>
+              <a:t>10-08-2023</a:t>
             </a:fld>
             <a:endParaRPr lang="en-IN"/>
           </a:p>
@@ -2403,7 +2408,7 @@
           <a:p>
             <a:fld id="{63A43648-17AD-473B-8D42-F19A9DAB6671}" type="datetimeFigureOut">
               <a:rPr lang="en-IN" smtClean="0"/>
-              <a:t>29-04-2023</a:t>
+              <a:t>10-08-2023</a:t>
             </a:fld>
             <a:endParaRPr lang="en-IN"/>
           </a:p>
@@ -2692,7 +2697,7 @@
           <a:p>
             <a:fld id="{63A43648-17AD-473B-8D42-F19A9DAB6671}" type="datetimeFigureOut">
               <a:rPr lang="en-IN" smtClean="0"/>
-              <a:t>29-04-2023</a:t>
+              <a:t>10-08-2023</a:t>
             </a:fld>
             <a:endParaRPr lang="en-IN"/>
           </a:p>
@@ -2935,7 +2940,7 @@
           <a:p>
             <a:fld id="{63A43648-17AD-473B-8D42-F19A9DAB6671}" type="datetimeFigureOut">
               <a:rPr lang="en-IN" smtClean="0"/>
-              <a:t>29-04-2023</a:t>
+              <a:t>10-08-2023</a:t>
             </a:fld>
             <a:endParaRPr lang="en-IN"/>
           </a:p>
@@ -3402,8 +3407,8 @@
           <a:lstStyle/>
           <a:p>
             <a:r>
-              <a:rPr lang="en-IN"/>
-              <a:t>Atul Kahate</a:t>
+              <a:rPr lang="en-IN" dirty="0"/>
+              <a:t>Pranay Shahare</a:t>
             </a:r>
           </a:p>
         </p:txBody>
@@ -3671,31 +3676,6 @@
           </a:p>
         </p:txBody>
       </p:sp>
-      <p:sp>
-        <p:nvSpPr>
-          <p:cNvPr id="3" name="Content Placeholder 2">
-            <a:extLst>
-              <a:ext uri="{FF2B5EF4-FFF2-40B4-BE49-F238E27FC236}">
-                <a16:creationId xmlns:a16="http://schemas.microsoft.com/office/drawing/2014/main" id="{09B4A8AE-55BC-2C60-B359-1CA9E7136E01}"/>
-              </a:ext>
-            </a:extLst>
-          </p:cNvPr>
-          <p:cNvSpPr>
-            <a:spLocks noGrp="1"/>
-          </p:cNvSpPr>
-          <p:nvPr>
-            <p:ph idx="1"/>
-          </p:nvPr>
-        </p:nvSpPr>
-        <p:spPr/>
-        <p:txBody>
-          <a:bodyPr/>
-          <a:lstStyle/>
-          <a:p>
-            <a:endParaRPr lang="en-IN"/>
-          </a:p>
-        </p:txBody>
-      </p:sp>
       <p:pic>
         <p:nvPicPr>
           <p:cNvPr id="10" name="Picture 9">
@@ -4074,31 +4054,6 @@
           </a:p>
         </p:txBody>
       </p:sp>
-      <p:sp>
-        <p:nvSpPr>
-          <p:cNvPr id="5" name="Content Placeholder 4">
-            <a:extLst>
-              <a:ext uri="{FF2B5EF4-FFF2-40B4-BE49-F238E27FC236}">
-                <a16:creationId xmlns:a16="http://schemas.microsoft.com/office/drawing/2014/main" id="{A58C73EF-9008-ACFF-AF19-0F7059A7AD5C}"/>
-              </a:ext>
-            </a:extLst>
-          </p:cNvPr>
-          <p:cNvSpPr>
-            <a:spLocks noGrp="1"/>
-          </p:cNvSpPr>
-          <p:nvPr>
-            <p:ph idx="1"/>
-          </p:nvPr>
-        </p:nvSpPr>
-        <p:spPr/>
-        <p:txBody>
-          <a:bodyPr/>
-          <a:lstStyle/>
-          <a:p>
-            <a:endParaRPr lang="en-IN"/>
-          </a:p>
-        </p:txBody>
-      </p:sp>
       <p:pic>
         <p:nvPicPr>
           <p:cNvPr id="7" name="Picture 6">
@@ -4187,31 +4142,6 @@
           </a:p>
         </p:txBody>
       </p:sp>
-      <p:sp>
-        <p:nvSpPr>
-          <p:cNvPr id="3" name="Content Placeholder 2">
-            <a:extLst>
-              <a:ext uri="{FF2B5EF4-FFF2-40B4-BE49-F238E27FC236}">
-                <a16:creationId xmlns:a16="http://schemas.microsoft.com/office/drawing/2014/main" id="{FCE90AC5-DCA8-6664-567F-D46A1CBC44E4}"/>
-              </a:ext>
-            </a:extLst>
-          </p:cNvPr>
-          <p:cNvSpPr>
-            <a:spLocks noGrp="1"/>
-          </p:cNvSpPr>
-          <p:nvPr>
-            <p:ph idx="1"/>
-          </p:nvPr>
-        </p:nvSpPr>
-        <p:spPr/>
-        <p:txBody>
-          <a:bodyPr/>
-          <a:lstStyle/>
-          <a:p>
-            <a:endParaRPr lang="en-IN"/>
-          </a:p>
-        </p:txBody>
-      </p:sp>
       <p:pic>
         <p:nvPicPr>
           <p:cNvPr id="5" name="Picture 4">
@@ -4297,31 +4227,6 @@
               <a:rPr lang="en-IN" dirty="0"/>
               <a:t>Pod</a:t>
             </a:r>
-          </a:p>
-        </p:txBody>
-      </p:sp>
-      <p:sp>
-        <p:nvSpPr>
-          <p:cNvPr id="5" name="Text Placeholder 4">
-            <a:extLst>
-              <a:ext uri="{FF2B5EF4-FFF2-40B4-BE49-F238E27FC236}">
-                <a16:creationId xmlns:a16="http://schemas.microsoft.com/office/drawing/2014/main" id="{DA54B8B8-9178-3864-DDE1-1170E08A94F0}"/>
-              </a:ext>
-            </a:extLst>
-          </p:cNvPr>
-          <p:cNvSpPr>
-            <a:spLocks noGrp="1"/>
-          </p:cNvSpPr>
-          <p:nvPr>
-            <p:ph type="body" idx="1"/>
-          </p:nvPr>
-        </p:nvSpPr>
-        <p:spPr/>
-        <p:txBody>
-          <a:bodyPr/>
-          <a:lstStyle/>
-          <a:p>
-            <a:endParaRPr lang="en-IN"/>
           </a:p>
         </p:txBody>
       </p:sp>
